--- a/D2/PPT05-Docker-Networking.pptx
+++ b/D2/PPT05-Docker-Networking.pptx
@@ -233,7 +233,7 @@
           <a:p>
             <a:fld id="{F1FBAD93-F43D-4B4E-AF46-035A0A538904}" type="datetimeFigureOut">
               <a:rPr lang="en-IN" smtClean="0"/>
-              <a:t>11-11-2024</a:t>
+              <a:t>28-08-2025</a:t>
             </a:fld>
             <a:endParaRPr lang="en-IN"/>
           </a:p>
@@ -630,7 +630,7 @@
           <a:p>
             <a:fld id="{EC651DDC-3D8E-441D-8B1E-684C450C1B0A}" type="datetimeFigureOut">
               <a:rPr lang="en-US" smtClean="0"/>
-              <a:t>11/11/2024</a:t>
+              <a:t>8/28/2025</a:t>
             </a:fld>
             <a:endParaRPr lang="en-US"/>
           </a:p>
@@ -798,7 +798,7 @@
           <a:p>
             <a:fld id="{EC651DDC-3D8E-441D-8B1E-684C450C1B0A}" type="datetimeFigureOut">
               <a:rPr lang="en-US" smtClean="0"/>
-              <a:t>11/11/2024</a:t>
+              <a:t>8/28/2025</a:t>
             </a:fld>
             <a:endParaRPr lang="en-US"/>
           </a:p>
@@ -976,7 +976,7 @@
           <a:p>
             <a:fld id="{EC651DDC-3D8E-441D-8B1E-684C450C1B0A}" type="datetimeFigureOut">
               <a:rPr lang="en-US" smtClean="0"/>
-              <a:t>11/11/2024</a:t>
+              <a:t>8/28/2025</a:t>
             </a:fld>
             <a:endParaRPr lang="en-US"/>
           </a:p>
@@ -1193,7 +1193,7 @@
             <a:fld id="{5B03344B-D0D9-437D-8838-1FD1C4F164B7}" type="datetimeFigureOut">
               <a:rPr lang="en-US" smtClean="0"/>
               <a:pPr/>
-              <a:t>11/11/2024</a:t>
+              <a:t>8/28/2025</a:t>
             </a:fld>
             <a:endParaRPr lang="en-US"/>
           </a:p>
@@ -1374,7 +1374,7 @@
             <a:fld id="{5B03344B-D0D9-437D-8838-1FD1C4F164B7}" type="datetimeFigureOut">
               <a:rPr lang="en-US" smtClean="0"/>
               <a:pPr/>
-              <a:t>11/11/2024</a:t>
+              <a:t>8/28/2025</a:t>
             </a:fld>
             <a:endParaRPr lang="en-US"/>
           </a:p>
@@ -1425,42 +1425,6 @@
               <a:t>‹#›</a:t>
             </a:fld>
             <a:endParaRPr lang="en-US"/>
-          </a:p>
-        </p:txBody>
-      </p:sp>
-      <p:sp>
-        <p:nvSpPr>
-          <p:cNvPr id="8" name="TextBox 7"/>
-          <p:cNvSpPr txBox="1"/>
-          <p:nvPr userDrawn="1"/>
-        </p:nvSpPr>
-        <p:spPr>
-          <a:xfrm>
-            <a:off x="8508989" y="6521337"/>
-            <a:ext cx="3789564" cy="369332"/>
-          </a:xfrm>
-          <a:prstGeom prst="rect">
-            <a:avLst/>
-          </a:prstGeom>
-          <a:noFill/>
-        </p:spPr>
-        <p:txBody>
-          <a:bodyPr wrap="none" rtlCol="0">
-            <a:spAutoFit/>
-          </a:bodyPr>
-          <a:lstStyle/>
-          <a:p>
-            <a:r>
-              <a:rPr lang="en-US" dirty="0">
-                <a:solidFill>
-                  <a:srgbClr val="FFFFFF">
-                    <a:lumMod val="50000"/>
-                  </a:srgbClr>
-                </a:solidFill>
-                <a:latin typeface="Engravers MT" panose="02090707080505020304" pitchFamily="18" charset="0"/>
-              </a:rPr>
-              <a:t>VISHWACLOUDLAB.com</a:t>
-            </a:r>
           </a:p>
         </p:txBody>
       </p:sp>
@@ -1841,7 +1805,7 @@
             <a:fld id="{5B03344B-D0D9-437D-8838-1FD1C4F164B7}" type="datetimeFigureOut">
               <a:rPr lang="en-US" smtClean="0"/>
               <a:pPr/>
-              <a:t>11/11/2024</a:t>
+              <a:t>8/28/2025</a:t>
             </a:fld>
             <a:endParaRPr lang="en-US"/>
           </a:p>
@@ -1933,42 +1897,6 @@
           </a:fontRef>
         </p:style>
       </p:cxnSp>
-      <p:sp>
-        <p:nvSpPr>
-          <p:cNvPr id="10" name="TextBox 9"/>
-          <p:cNvSpPr txBox="1"/>
-          <p:nvPr userDrawn="1"/>
-        </p:nvSpPr>
-        <p:spPr>
-          <a:xfrm>
-            <a:off x="8508989" y="6521337"/>
-            <a:ext cx="3789564" cy="369332"/>
-          </a:xfrm>
-          <a:prstGeom prst="rect">
-            <a:avLst/>
-          </a:prstGeom>
-          <a:noFill/>
-        </p:spPr>
-        <p:txBody>
-          <a:bodyPr wrap="none" rtlCol="0">
-            <a:spAutoFit/>
-          </a:bodyPr>
-          <a:lstStyle/>
-          <a:p>
-            <a:r>
-              <a:rPr lang="en-US" dirty="0">
-                <a:solidFill>
-                  <a:srgbClr val="FFFFFF">
-                    <a:lumMod val="85000"/>
-                  </a:srgbClr>
-                </a:solidFill>
-                <a:latin typeface="Engravers MT" panose="02090707080505020304" pitchFamily="18" charset="0"/>
-              </a:rPr>
-              <a:t>VISHWACLOUDLAB.com</a:t>
-            </a:r>
-          </a:p>
-        </p:txBody>
-      </p:sp>
     </p:spTree>
     <p:extLst>
       <p:ext uri="{BB962C8B-B14F-4D97-AF65-F5344CB8AC3E}">
@@ -2159,7 +2087,7 @@
             <a:fld id="{5B03344B-D0D9-437D-8838-1FD1C4F164B7}" type="datetimeFigureOut">
               <a:rPr lang="en-US" smtClean="0"/>
               <a:pPr/>
-              <a:t>11/11/2024</a:t>
+              <a:t>8/28/2025</a:t>
             </a:fld>
             <a:endParaRPr lang="en-US"/>
           </a:p>
@@ -2205,42 +2133,6 @@
               <a:t>‹#›</a:t>
             </a:fld>
             <a:endParaRPr lang="en-US"/>
-          </a:p>
-        </p:txBody>
-      </p:sp>
-      <p:sp>
-        <p:nvSpPr>
-          <p:cNvPr id="9" name="TextBox 8"/>
-          <p:cNvSpPr txBox="1"/>
-          <p:nvPr userDrawn="1"/>
-        </p:nvSpPr>
-        <p:spPr>
-          <a:xfrm>
-            <a:off x="8508989" y="6521337"/>
-            <a:ext cx="3789564" cy="369332"/>
-          </a:xfrm>
-          <a:prstGeom prst="rect">
-            <a:avLst/>
-          </a:prstGeom>
-          <a:noFill/>
-        </p:spPr>
-        <p:txBody>
-          <a:bodyPr wrap="none" rtlCol="0">
-            <a:spAutoFit/>
-          </a:bodyPr>
-          <a:lstStyle/>
-          <a:p>
-            <a:r>
-              <a:rPr lang="en-US" dirty="0">
-                <a:solidFill>
-                  <a:srgbClr val="FFFFFF">
-                    <a:lumMod val="50000"/>
-                  </a:srgbClr>
-                </a:solidFill>
-                <a:latin typeface="Engravers MT" panose="02090707080505020304" pitchFamily="18" charset="0"/>
-              </a:rPr>
-              <a:t>VISHWACLOUDLAB.com</a:t>
-            </a:r>
           </a:p>
         </p:txBody>
       </p:sp>
@@ -2576,7 +2468,7 @@
             <a:fld id="{5B03344B-D0D9-437D-8838-1FD1C4F164B7}" type="datetimeFigureOut">
               <a:rPr lang="en-US" smtClean="0"/>
               <a:pPr/>
-              <a:t>11/11/2024</a:t>
+              <a:t>8/28/2025</a:t>
             </a:fld>
             <a:endParaRPr lang="en-US"/>
           </a:p>
@@ -2622,42 +2514,6 @@
               <a:t>‹#›</a:t>
             </a:fld>
             <a:endParaRPr lang="en-US"/>
-          </a:p>
-        </p:txBody>
-      </p:sp>
-      <p:sp>
-        <p:nvSpPr>
-          <p:cNvPr id="11" name="TextBox 10"/>
-          <p:cNvSpPr txBox="1"/>
-          <p:nvPr userDrawn="1"/>
-        </p:nvSpPr>
-        <p:spPr>
-          <a:xfrm>
-            <a:off x="8508989" y="6521337"/>
-            <a:ext cx="3789564" cy="369332"/>
-          </a:xfrm>
-          <a:prstGeom prst="rect">
-            <a:avLst/>
-          </a:prstGeom>
-          <a:noFill/>
-        </p:spPr>
-        <p:txBody>
-          <a:bodyPr wrap="none" rtlCol="0">
-            <a:spAutoFit/>
-          </a:bodyPr>
-          <a:lstStyle/>
-          <a:p>
-            <a:r>
-              <a:rPr lang="en-US" dirty="0">
-                <a:solidFill>
-                  <a:srgbClr val="FFFFFF">
-                    <a:lumMod val="50000"/>
-                  </a:srgbClr>
-                </a:solidFill>
-                <a:latin typeface="Engravers MT" panose="02090707080505020304" pitchFamily="18" charset="0"/>
-              </a:rPr>
-              <a:t>VISHWACLOUDLAB.com</a:t>
-            </a:r>
           </a:p>
         </p:txBody>
       </p:sp>
@@ -2732,7 +2588,7 @@
             <a:fld id="{5B03344B-D0D9-437D-8838-1FD1C4F164B7}" type="datetimeFigureOut">
               <a:rPr lang="en-US" smtClean="0"/>
               <a:pPr/>
-              <a:t>11/11/2024</a:t>
+              <a:t>8/28/2025</a:t>
             </a:fld>
             <a:endParaRPr lang="en-US"/>
           </a:p>
@@ -2778,42 +2634,6 @@
               <a:t>‹#›</a:t>
             </a:fld>
             <a:endParaRPr lang="en-US"/>
-          </a:p>
-        </p:txBody>
-      </p:sp>
-      <p:sp>
-        <p:nvSpPr>
-          <p:cNvPr id="6" name="TextBox 5"/>
-          <p:cNvSpPr txBox="1"/>
-          <p:nvPr userDrawn="1"/>
-        </p:nvSpPr>
-        <p:spPr>
-          <a:xfrm>
-            <a:off x="8508989" y="6521337"/>
-            <a:ext cx="3789564" cy="369332"/>
-          </a:xfrm>
-          <a:prstGeom prst="rect">
-            <a:avLst/>
-          </a:prstGeom>
-          <a:noFill/>
-        </p:spPr>
-        <p:txBody>
-          <a:bodyPr wrap="none" rtlCol="0">
-            <a:spAutoFit/>
-          </a:bodyPr>
-          <a:lstStyle/>
-          <a:p>
-            <a:r>
-              <a:rPr lang="en-US" dirty="0">
-                <a:solidFill>
-                  <a:srgbClr val="FFFFFF">
-                    <a:lumMod val="50000"/>
-                  </a:srgbClr>
-                </a:solidFill>
-                <a:latin typeface="Engravers MT" panose="02090707080505020304" pitchFamily="18" charset="0"/>
-              </a:rPr>
-              <a:t>VISHWACLOUDLAB.com</a:t>
-            </a:r>
           </a:p>
         </p:txBody>
       </p:sp>
@@ -2943,7 +2763,7 @@
             <a:fld id="{5B03344B-D0D9-437D-8838-1FD1C4F164B7}" type="datetimeFigureOut">
               <a:rPr lang="en-US" smtClean="0"/>
               <a:pPr/>
-              <a:t>11/11/2024</a:t>
+              <a:t>8/28/2025</a:t>
             </a:fld>
             <a:endParaRPr lang="en-US"/>
           </a:p>
@@ -2997,42 +2817,6 @@
               <a:t>‹#›</a:t>
             </a:fld>
             <a:endParaRPr lang="en-US"/>
-          </a:p>
-        </p:txBody>
-      </p:sp>
-      <p:sp>
-        <p:nvSpPr>
-          <p:cNvPr id="10" name="TextBox 9"/>
-          <p:cNvSpPr txBox="1"/>
-          <p:nvPr userDrawn="1"/>
-        </p:nvSpPr>
-        <p:spPr>
-          <a:xfrm>
-            <a:off x="8508989" y="6521337"/>
-            <a:ext cx="3789564" cy="369332"/>
-          </a:xfrm>
-          <a:prstGeom prst="rect">
-            <a:avLst/>
-          </a:prstGeom>
-          <a:noFill/>
-        </p:spPr>
-        <p:txBody>
-          <a:bodyPr wrap="none" rtlCol="0">
-            <a:spAutoFit/>
-          </a:bodyPr>
-          <a:lstStyle/>
-          <a:p>
-            <a:r>
-              <a:rPr lang="en-US" dirty="0">
-                <a:solidFill>
-                  <a:srgbClr val="FFFFFF">
-                    <a:lumMod val="85000"/>
-                  </a:srgbClr>
-                </a:solidFill>
-                <a:latin typeface="Engravers MT" panose="02090707080505020304" pitchFamily="18" charset="0"/>
-              </a:rPr>
-              <a:t>VISHWACLOUDLAB.com</a:t>
-            </a:r>
           </a:p>
         </p:txBody>
       </p:sp>
@@ -3337,7 +3121,7 @@
             <a:fld id="{5B03344B-D0D9-437D-8838-1FD1C4F164B7}" type="datetimeFigureOut">
               <a:rPr lang="en-US" smtClean="0"/>
               <a:pPr/>
-              <a:t>11/11/2024</a:t>
+              <a:t>8/28/2025</a:t>
             </a:fld>
             <a:endParaRPr lang="en-US"/>
           </a:p>
@@ -3416,42 +3200,6 @@
                 <a:srgbClr val="46464A"/>
               </a:solidFill>
             </a:endParaRPr>
-          </a:p>
-        </p:txBody>
-      </p:sp>
-      <p:sp>
-        <p:nvSpPr>
-          <p:cNvPr id="10" name="TextBox 9"/>
-          <p:cNvSpPr txBox="1"/>
-          <p:nvPr userDrawn="1"/>
-        </p:nvSpPr>
-        <p:spPr>
-          <a:xfrm>
-            <a:off x="8508989" y="6521337"/>
-            <a:ext cx="3789564" cy="369332"/>
-          </a:xfrm>
-          <a:prstGeom prst="rect">
-            <a:avLst/>
-          </a:prstGeom>
-          <a:noFill/>
-        </p:spPr>
-        <p:txBody>
-          <a:bodyPr wrap="none" rtlCol="0">
-            <a:spAutoFit/>
-          </a:bodyPr>
-          <a:lstStyle/>
-          <a:p>
-            <a:r>
-              <a:rPr lang="en-US" dirty="0">
-                <a:solidFill>
-                  <a:srgbClr val="FFFFFF">
-                    <a:lumMod val="50000"/>
-                  </a:srgbClr>
-                </a:solidFill>
-                <a:latin typeface="Engravers MT" panose="02090707080505020304" pitchFamily="18" charset="0"/>
-              </a:rPr>
-              <a:t>VISHWACLOUDLAB.com</a:t>
-            </a:r>
           </a:p>
         </p:txBody>
       </p:sp>
@@ -3575,7 +3323,7 @@
           <a:p>
             <a:fld id="{EC651DDC-3D8E-441D-8B1E-684C450C1B0A}" type="datetimeFigureOut">
               <a:rPr lang="en-US" smtClean="0"/>
-              <a:t>11/11/2024</a:t>
+              <a:t>8/28/2025</a:t>
             </a:fld>
             <a:endParaRPr lang="en-US"/>
           </a:p>
@@ -3934,7 +3682,7 @@
             <a:fld id="{5B03344B-D0D9-437D-8838-1FD1C4F164B7}" type="datetimeFigureOut">
               <a:rPr lang="en-US" smtClean="0"/>
               <a:pPr/>
-              <a:t>11/11/2024</a:t>
+              <a:t>8/28/2025</a:t>
             </a:fld>
             <a:endParaRPr lang="en-US"/>
           </a:p>
@@ -4142,7 +3890,7 @@
             <a:fld id="{5B03344B-D0D9-437D-8838-1FD1C4F164B7}" type="datetimeFigureOut">
               <a:rPr lang="en-US" smtClean="0"/>
               <a:pPr/>
-              <a:t>11/11/2024</a:t>
+              <a:t>8/28/2025</a:t>
             </a:fld>
             <a:endParaRPr lang="en-US"/>
           </a:p>
@@ -4188,42 +3936,6 @@
               <a:t>‹#›</a:t>
             </a:fld>
             <a:endParaRPr lang="en-US"/>
-          </a:p>
-        </p:txBody>
-      </p:sp>
-      <p:sp>
-        <p:nvSpPr>
-          <p:cNvPr id="7" name="TextBox 6"/>
-          <p:cNvSpPr txBox="1"/>
-          <p:nvPr userDrawn="1"/>
-        </p:nvSpPr>
-        <p:spPr>
-          <a:xfrm>
-            <a:off x="8508989" y="6521337"/>
-            <a:ext cx="3789564" cy="369332"/>
-          </a:xfrm>
-          <a:prstGeom prst="rect">
-            <a:avLst/>
-          </a:prstGeom>
-          <a:noFill/>
-        </p:spPr>
-        <p:txBody>
-          <a:bodyPr wrap="none" rtlCol="0">
-            <a:spAutoFit/>
-          </a:bodyPr>
-          <a:lstStyle/>
-          <a:p>
-            <a:r>
-              <a:rPr lang="en-US" dirty="0">
-                <a:solidFill>
-                  <a:srgbClr val="FFFFFF">
-                    <a:lumMod val="50000"/>
-                  </a:srgbClr>
-                </a:solidFill>
-                <a:latin typeface="Engravers MT" panose="02090707080505020304" pitchFamily="18" charset="0"/>
-              </a:rPr>
-              <a:t>VISHWACLOUDLAB.com</a:t>
-            </a:r>
           </a:p>
         </p:txBody>
       </p:sp>
@@ -4438,7 +4150,7 @@
             <a:fld id="{5B03344B-D0D9-437D-8838-1FD1C4F164B7}" type="datetimeFigureOut">
               <a:rPr lang="en-US" smtClean="0"/>
               <a:pPr/>
-              <a:t>11/11/2024</a:t>
+              <a:t>8/28/2025</a:t>
             </a:fld>
             <a:endParaRPr lang="en-US"/>
           </a:p>
@@ -4720,7 +4432,7 @@
           <a:p>
             <a:fld id="{EC651DDC-3D8E-441D-8B1E-684C450C1B0A}" type="datetimeFigureOut">
               <a:rPr lang="en-US" smtClean="0"/>
-              <a:t>11/11/2024</a:t>
+              <a:t>8/28/2025</a:t>
             </a:fld>
             <a:endParaRPr lang="en-US"/>
           </a:p>
@@ -4949,7 +4661,7 @@
           <a:p>
             <a:fld id="{EC651DDC-3D8E-441D-8B1E-684C450C1B0A}" type="datetimeFigureOut">
               <a:rPr lang="en-US" smtClean="0"/>
-              <a:t>11/11/2024</a:t>
+              <a:t>8/28/2025</a:t>
             </a:fld>
             <a:endParaRPr lang="en-US"/>
           </a:p>
@@ -5313,7 +5025,7 @@
           <a:p>
             <a:fld id="{EC651DDC-3D8E-441D-8B1E-684C450C1B0A}" type="datetimeFigureOut">
               <a:rPr lang="en-US" smtClean="0"/>
-              <a:t>11/11/2024</a:t>
+              <a:t>8/28/2025</a:t>
             </a:fld>
             <a:endParaRPr lang="en-US"/>
           </a:p>
@@ -5430,7 +5142,7 @@
           <a:p>
             <a:fld id="{EC651DDC-3D8E-441D-8B1E-684C450C1B0A}" type="datetimeFigureOut">
               <a:rPr lang="en-US" smtClean="0"/>
-              <a:t>11/11/2024</a:t>
+              <a:t>8/28/2025</a:t>
             </a:fld>
             <a:endParaRPr lang="en-US"/>
           </a:p>
@@ -5525,7 +5237,7 @@
           <a:p>
             <a:fld id="{EC651DDC-3D8E-441D-8B1E-684C450C1B0A}" type="datetimeFigureOut">
               <a:rPr lang="en-US" smtClean="0"/>
-              <a:t>11/11/2024</a:t>
+              <a:t>8/28/2025</a:t>
             </a:fld>
             <a:endParaRPr lang="en-US"/>
           </a:p>
@@ -5800,7 +5512,7 @@
           <a:p>
             <a:fld id="{EC651DDC-3D8E-441D-8B1E-684C450C1B0A}" type="datetimeFigureOut">
               <a:rPr lang="en-US" smtClean="0"/>
-              <a:t>11/11/2024</a:t>
+              <a:t>8/28/2025</a:t>
             </a:fld>
             <a:endParaRPr lang="en-US"/>
           </a:p>
@@ -6052,7 +5764,7 @@
           <a:p>
             <a:fld id="{EC651DDC-3D8E-441D-8B1E-684C450C1B0A}" type="datetimeFigureOut">
               <a:rPr lang="en-US" smtClean="0"/>
-              <a:t>11/11/2024</a:t>
+              <a:t>8/28/2025</a:t>
             </a:fld>
             <a:endParaRPr lang="en-US"/>
           </a:p>
@@ -6263,7 +5975,7 @@
           <a:p>
             <a:fld id="{EC651DDC-3D8E-441D-8B1E-684C450C1B0A}" type="datetimeFigureOut">
               <a:rPr lang="en-US" smtClean="0"/>
-              <a:t>11/11/2024</a:t>
+              <a:t>8/28/2025</a:t>
             </a:fld>
             <a:endParaRPr lang="en-US"/>
           </a:p>
@@ -6832,7 +6544,7 @@
             <a:fld id="{5B03344B-D0D9-437D-8838-1FD1C4F164B7}" type="datetimeFigureOut">
               <a:rPr lang="en-US" smtClean="0"/>
               <a:pPr/>
-              <a:t>11/11/2024</a:t>
+              <a:t>8/28/2025</a:t>
             </a:fld>
             <a:endParaRPr lang="en-US"/>
           </a:p>
@@ -7386,23 +7098,6 @@
               </a:rPr>
               <a:t> m s</a:t>
             </a:r>
-          </a:p>
-          <a:p>
-            <a:r>
-              <a:rPr lang="en-US" b="1">
-                <a:solidFill>
-                  <a:srgbClr val="0070C0"/>
-                </a:solidFill>
-                <a:latin typeface="Arial Rounded MT Bold" panose="020F0704030504030204" pitchFamily="34" charset="0"/>
-              </a:rPr>
-              <a:t>VISHWACLOUDLAB.com</a:t>
-            </a:r>
-            <a:endParaRPr lang="en-US" b="1" dirty="0">
-              <a:solidFill>
-                <a:srgbClr val="0070C0"/>
-              </a:solidFill>
-              <a:latin typeface="Arial Rounded MT Bold" panose="020F0704030504030204" pitchFamily="34" charset="0"/>
-            </a:endParaRPr>
           </a:p>
         </p:txBody>
       </p:sp>
